--- a/plots/Fig1.pptx
+++ b/plots/Fig1.pptx
@@ -109,7 +109,13 @@
   </p:defaultTextStyle>
   <p:extLst>
     <p:ext uri="{EFAFB233-063F-42B5-8137-9DF3F51BA10A}">
-      <p15:sldGuideLst xmlns:p15="http://schemas.microsoft.com/office/powerpoint/2012/main"/>
+      <p15:sldGuideLst xmlns:p15="http://schemas.microsoft.com/office/powerpoint/2012/main">
+        <p15:guide id="1" pos="1202" userDrawn="1">
+          <p15:clr>
+            <a:srgbClr val="A4A3A4"/>
+          </p15:clr>
+        </p15:guide>
+      </p15:sldGuideLst>
     </p:ext>
   </p:extLst>
 </p:presentation>
@@ -197,7 +203,7 @@
           <a:p>
             <a:fld id="{1E5698F5-DEA0-574B-8461-10AB5FBB4AF3}" type="datetimeFigureOut">
               <a:rPr lang="en-GB" smtClean="0"/>
-              <a:t>13/04/2022</a:t>
+              <a:t>16/05/2022</a:t>
             </a:fld>
             <a:endParaRPr lang="en-GB"/>
           </a:p>
@@ -679,7 +685,7 @@
           <a:p>
             <a:fld id="{68B74616-76D1-994D-8327-C5E87A869FBE}" type="datetimeFigureOut">
               <a:rPr lang="en-GB" smtClean="0"/>
-              <a:t>13/04/2022</a:t>
+              <a:t>16/05/2022</a:t>
             </a:fld>
             <a:endParaRPr lang="en-GB"/>
           </a:p>
@@ -849,7 +855,7 @@
           <a:p>
             <a:fld id="{68B74616-76D1-994D-8327-C5E87A869FBE}" type="datetimeFigureOut">
               <a:rPr lang="en-GB" smtClean="0"/>
-              <a:t>13/04/2022</a:t>
+              <a:t>16/05/2022</a:t>
             </a:fld>
             <a:endParaRPr lang="en-GB"/>
           </a:p>
@@ -1029,7 +1035,7 @@
           <a:p>
             <a:fld id="{68B74616-76D1-994D-8327-C5E87A869FBE}" type="datetimeFigureOut">
               <a:rPr lang="en-GB" smtClean="0"/>
-              <a:t>13/04/2022</a:t>
+              <a:t>16/05/2022</a:t>
             </a:fld>
             <a:endParaRPr lang="en-GB"/>
           </a:p>
@@ -1199,7 +1205,7 @@
           <a:p>
             <a:fld id="{68B74616-76D1-994D-8327-C5E87A869FBE}" type="datetimeFigureOut">
               <a:rPr lang="en-GB" smtClean="0"/>
-              <a:t>13/04/2022</a:t>
+              <a:t>16/05/2022</a:t>
             </a:fld>
             <a:endParaRPr lang="en-GB"/>
           </a:p>
@@ -1443,7 +1449,7 @@
           <a:p>
             <a:fld id="{68B74616-76D1-994D-8327-C5E87A869FBE}" type="datetimeFigureOut">
               <a:rPr lang="en-GB" smtClean="0"/>
-              <a:t>13/04/2022</a:t>
+              <a:t>16/05/2022</a:t>
             </a:fld>
             <a:endParaRPr lang="en-GB"/>
           </a:p>
@@ -1675,7 +1681,7 @@
           <a:p>
             <a:fld id="{68B74616-76D1-994D-8327-C5E87A869FBE}" type="datetimeFigureOut">
               <a:rPr lang="en-GB" smtClean="0"/>
-              <a:t>13/04/2022</a:t>
+              <a:t>16/05/2022</a:t>
             </a:fld>
             <a:endParaRPr lang="en-GB"/>
           </a:p>
@@ -2042,7 +2048,7 @@
           <a:p>
             <a:fld id="{68B74616-76D1-994D-8327-C5E87A869FBE}" type="datetimeFigureOut">
               <a:rPr lang="en-GB" smtClean="0"/>
-              <a:t>13/04/2022</a:t>
+              <a:t>16/05/2022</a:t>
             </a:fld>
             <a:endParaRPr lang="en-GB"/>
           </a:p>
@@ -2160,7 +2166,7 @@
           <a:p>
             <a:fld id="{68B74616-76D1-994D-8327-C5E87A869FBE}" type="datetimeFigureOut">
               <a:rPr lang="en-GB" smtClean="0"/>
-              <a:t>13/04/2022</a:t>
+              <a:t>16/05/2022</a:t>
             </a:fld>
             <a:endParaRPr lang="en-GB"/>
           </a:p>
@@ -2255,7 +2261,7 @@
           <a:p>
             <a:fld id="{68B74616-76D1-994D-8327-C5E87A869FBE}" type="datetimeFigureOut">
               <a:rPr lang="en-GB" smtClean="0"/>
-              <a:t>13/04/2022</a:t>
+              <a:t>16/05/2022</a:t>
             </a:fld>
             <a:endParaRPr lang="en-GB"/>
           </a:p>
@@ -2532,7 +2538,7 @@
           <a:p>
             <a:fld id="{68B74616-76D1-994D-8327-C5E87A869FBE}" type="datetimeFigureOut">
               <a:rPr lang="en-GB" smtClean="0"/>
-              <a:t>13/04/2022</a:t>
+              <a:t>16/05/2022</a:t>
             </a:fld>
             <a:endParaRPr lang="en-GB"/>
           </a:p>
@@ -2789,7 +2795,7 @@
           <a:p>
             <a:fld id="{68B74616-76D1-994D-8327-C5E87A869FBE}" type="datetimeFigureOut">
               <a:rPr lang="en-GB" smtClean="0"/>
-              <a:t>13/04/2022</a:t>
+              <a:t>16/05/2022</a:t>
             </a:fld>
             <a:endParaRPr lang="en-GB"/>
           </a:p>
@@ -3002,7 +3008,7 @@
           <a:p>
             <a:fld id="{68B74616-76D1-994D-8327-C5E87A869FBE}" type="datetimeFigureOut">
               <a:rPr lang="en-GB" smtClean="0"/>
-              <a:t>13/04/2022</a:t>
+              <a:t>16/05/2022</a:t>
             </a:fld>
             <a:endParaRPr lang="en-GB"/>
           </a:p>
@@ -3508,7 +3514,7 @@
         </p:nvSpPr>
         <p:spPr>
           <a:xfrm>
-            <a:off x="1781958" y="2874306"/>
+            <a:off x="1729102" y="2874250"/>
             <a:ext cx="372218" cy="461665"/>
           </a:xfrm>
           <a:prstGeom prst="rect">
@@ -3570,6 +3576,46 @@
           </a:prstGeom>
         </p:spPr>
       </p:pic>
+      <p:sp>
+        <p:nvSpPr>
+          <p:cNvPr id="6" name="TextBox 5">
+            <a:extLst>
+              <a:ext uri="{FF2B5EF4-FFF2-40B4-BE49-F238E27FC236}">
+                <a16:creationId xmlns:a16="http://schemas.microsoft.com/office/drawing/2014/main" id="{A311EBDC-1169-A1C3-B8D9-7CF5702D8B32}"/>
+              </a:ext>
+            </a:extLst>
+          </p:cNvPr>
+          <p:cNvSpPr txBox="1"/>
+          <p:nvPr/>
+        </p:nvSpPr>
+        <p:spPr>
+          <a:xfrm>
+            <a:off x="1745132" y="4860131"/>
+            <a:ext cx="356188" cy="461665"/>
+          </a:xfrm>
+          <a:prstGeom prst="rect">
+            <a:avLst/>
+          </a:prstGeom>
+          <a:noFill/>
+        </p:spPr>
+        <p:txBody>
+          <a:bodyPr wrap="none" rtlCol="0">
+            <a:spAutoFit/>
+          </a:bodyPr>
+          <a:lstStyle/>
+          <a:p>
+            <a:r>
+              <a:rPr lang="en-GB" sz="2400" b="1" dirty="0">
+                <a:latin typeface="Helvetica" pitchFamily="2" charset="0"/>
+              </a:rPr>
+              <a:t>c</a:t>
+            </a:r>
+            <a:endParaRPr lang="en-FI" sz="2400" b="1" dirty="0">
+              <a:latin typeface="Helvetica" pitchFamily="2" charset="0"/>
+            </a:endParaRPr>
+          </a:p>
+        </p:txBody>
+      </p:sp>
     </p:spTree>
     <p:extLst>
       <p:ext uri="{BB962C8B-B14F-4D97-AF65-F5344CB8AC3E}">
